--- a/Node-RED-Backend.pptx
+++ b/Node-RED-Backend.pptx
@@ -104,6 +104,11 @@
       </a:defRPr>
     </a:lvl9pPr>
   </p:defaultTextStyle>
+  <p:extLst>
+    <p:ext uri="{EFAFB233-063F-42B5-8137-9DF3F51BA10A}">
+      <p15:sldGuideLst xmlns:p15="http://schemas.microsoft.com/office/powerpoint/2012/main"/>
+    </p:ext>
+  </p:extLst>
 </p:presentation>
 </file>
 
@@ -256,7 +261,7 @@
           <a:p>
             <a:fld id="{08E82E56-B9AA-124C-AB87-FB1ADEE53307}" type="datetimeFigureOut">
               <a:rPr lang="en-US" smtClean="0"/>
-              <a:t>3/25/20</a:t>
+              <a:t>3/26/20</a:t>
             </a:fld>
             <a:endParaRPr lang="en-US"/>
           </a:p>
@@ -456,7 +461,7 @@
           <a:p>
             <a:fld id="{08E82E56-B9AA-124C-AB87-FB1ADEE53307}" type="datetimeFigureOut">
               <a:rPr lang="en-US" smtClean="0"/>
-              <a:t>3/25/20</a:t>
+              <a:t>3/26/20</a:t>
             </a:fld>
             <a:endParaRPr lang="en-US"/>
           </a:p>
@@ -666,7 +671,7 @@
           <a:p>
             <a:fld id="{08E82E56-B9AA-124C-AB87-FB1ADEE53307}" type="datetimeFigureOut">
               <a:rPr lang="en-US" smtClean="0"/>
-              <a:t>3/25/20</a:t>
+              <a:t>3/26/20</a:t>
             </a:fld>
             <a:endParaRPr lang="en-US"/>
           </a:p>
@@ -866,7 +871,7 @@
           <a:p>
             <a:fld id="{08E82E56-B9AA-124C-AB87-FB1ADEE53307}" type="datetimeFigureOut">
               <a:rPr lang="en-US" smtClean="0"/>
-              <a:t>3/25/20</a:t>
+              <a:t>3/26/20</a:t>
             </a:fld>
             <a:endParaRPr lang="en-US"/>
           </a:p>
@@ -1142,7 +1147,7 @@
           <a:p>
             <a:fld id="{08E82E56-B9AA-124C-AB87-FB1ADEE53307}" type="datetimeFigureOut">
               <a:rPr lang="en-US" smtClean="0"/>
-              <a:t>3/25/20</a:t>
+              <a:t>3/26/20</a:t>
             </a:fld>
             <a:endParaRPr lang="en-US"/>
           </a:p>
@@ -1410,7 +1415,7 @@
           <a:p>
             <a:fld id="{08E82E56-B9AA-124C-AB87-FB1ADEE53307}" type="datetimeFigureOut">
               <a:rPr lang="en-US" smtClean="0"/>
-              <a:t>3/25/20</a:t>
+              <a:t>3/26/20</a:t>
             </a:fld>
             <a:endParaRPr lang="en-US"/>
           </a:p>
@@ -1825,7 +1830,7 @@
           <a:p>
             <a:fld id="{08E82E56-B9AA-124C-AB87-FB1ADEE53307}" type="datetimeFigureOut">
               <a:rPr lang="en-US" smtClean="0"/>
-              <a:t>3/25/20</a:t>
+              <a:t>3/26/20</a:t>
             </a:fld>
             <a:endParaRPr lang="en-US"/>
           </a:p>
@@ -1967,7 +1972,7 @@
           <a:p>
             <a:fld id="{08E82E56-B9AA-124C-AB87-FB1ADEE53307}" type="datetimeFigureOut">
               <a:rPr lang="en-US" smtClean="0"/>
-              <a:t>3/25/20</a:t>
+              <a:t>3/26/20</a:t>
             </a:fld>
             <a:endParaRPr lang="en-US"/>
           </a:p>
@@ -2080,7 +2085,7 @@
           <a:p>
             <a:fld id="{08E82E56-B9AA-124C-AB87-FB1ADEE53307}" type="datetimeFigureOut">
               <a:rPr lang="en-US" smtClean="0"/>
-              <a:t>3/25/20</a:t>
+              <a:t>3/26/20</a:t>
             </a:fld>
             <a:endParaRPr lang="en-US"/>
           </a:p>
@@ -2393,7 +2398,7 @@
           <a:p>
             <a:fld id="{08E82E56-B9AA-124C-AB87-FB1ADEE53307}" type="datetimeFigureOut">
               <a:rPr lang="en-US" smtClean="0"/>
-              <a:t>3/25/20</a:t>
+              <a:t>3/26/20</a:t>
             </a:fld>
             <a:endParaRPr lang="en-US"/>
           </a:p>
@@ -2682,7 +2687,7 @@
           <a:p>
             <a:fld id="{08E82E56-B9AA-124C-AB87-FB1ADEE53307}" type="datetimeFigureOut">
               <a:rPr lang="en-US" smtClean="0"/>
-              <a:t>3/25/20</a:t>
+              <a:t>3/26/20</a:t>
             </a:fld>
             <a:endParaRPr lang="en-US"/>
           </a:p>
@@ -2925,7 +2930,7 @@
           <a:p>
             <a:fld id="{08E82E56-B9AA-124C-AB87-FB1ADEE53307}" type="datetimeFigureOut">
               <a:rPr lang="en-US" smtClean="0"/>
-              <a:t>3/25/20</a:t>
+              <a:t>3/26/20</a:t>
             </a:fld>
             <a:endParaRPr lang="en-US"/>
           </a:p>
@@ -3356,7 +3361,7 @@
         </p:nvSpPr>
         <p:spPr>
           <a:xfrm>
-            <a:off x="3715657" y="1306285"/>
+            <a:off x="3628572" y="1727199"/>
             <a:ext cx="3381828" cy="5109029"/>
           </a:xfrm>
           <a:prstGeom prst="rect">
@@ -3407,7 +3412,7 @@
         </p:nvSpPr>
         <p:spPr>
           <a:xfrm>
-            <a:off x="4078513" y="1538514"/>
+            <a:off x="3991428" y="1959428"/>
             <a:ext cx="2699657" cy="1291772"/>
           </a:xfrm>
           <a:prstGeom prst="rect">
@@ -3463,7 +3468,7 @@
         </p:nvSpPr>
         <p:spPr>
           <a:xfrm>
-            <a:off x="4078512" y="3182257"/>
+            <a:off x="3991427" y="3603171"/>
             <a:ext cx="2699657" cy="1291772"/>
           </a:xfrm>
           <a:prstGeom prst="rect">
@@ -3519,7 +3524,7 @@
         </p:nvSpPr>
         <p:spPr>
           <a:xfrm>
-            <a:off x="4078512" y="4826000"/>
+            <a:off x="3991427" y="5246914"/>
             <a:ext cx="2699657" cy="1291772"/>
           </a:xfrm>
           <a:prstGeom prst="rect">
@@ -3548,14 +3553,17 @@
           <a:p>
             <a:pPr algn="ctr"/>
             <a:r>
-              <a:rPr lang="en-US" sz="2000" dirty="0" err="1"/>
+              <a:rPr lang="en-US" sz="2000" dirty="0"/>
+              <a:t>Database</a:t>
+            </a:r>
+          </a:p>
+          <a:p>
+            <a:pPr algn="ctr"/>
+            <a:r>
+              <a:rPr lang="en-US" dirty="0" err="1"/>
               <a:t>Cloudant</a:t>
             </a:r>
-            <a:r>
-              <a:rPr lang="en-US" sz="2000" dirty="0"/>
-              <a:t> Database</a:t>
-            </a:r>
-            <a:endParaRPr lang="en-US" dirty="0"/>
+            <a:endParaRPr lang="en-US" sz="2000" dirty="0"/>
           </a:p>
         </p:txBody>
       </p:sp>
@@ -3573,7 +3581,7 @@
         </p:nvSpPr>
         <p:spPr>
           <a:xfrm>
-            <a:off x="7627255" y="3182257"/>
+            <a:off x="7540170" y="3603171"/>
             <a:ext cx="2699657" cy="1291772"/>
           </a:xfrm>
           <a:prstGeom prst="rect">
@@ -3607,7 +3615,7 @@
           <a:p>
             <a:pPr algn="ctr"/>
             <a:r>
-              <a:rPr lang="en-US" dirty="0"/>
+              <a:rPr lang="en-US" sz="2000" dirty="0"/>
               <a:t>External Systems</a:t>
             </a:r>
           </a:p>
@@ -3630,7 +3638,7 @@
         </p:nvCxnSpPr>
         <p:spPr>
           <a:xfrm flipH="1">
-            <a:off x="5428341" y="2830286"/>
+            <a:off x="5341256" y="3251200"/>
             <a:ext cx="1" cy="351971"/>
           </a:xfrm>
           <a:prstGeom prst="line">
@@ -3671,7 +3679,7 @@
         </p:nvCxnSpPr>
         <p:spPr>
           <a:xfrm flipV="1">
-            <a:off x="5428341" y="4474029"/>
+            <a:off x="5341256" y="4894943"/>
             <a:ext cx="0" cy="351971"/>
           </a:xfrm>
           <a:prstGeom prst="line">
@@ -3712,7 +3720,7 @@
         </p:nvCxnSpPr>
         <p:spPr>
           <a:xfrm flipH="1">
-            <a:off x="6778169" y="3828143"/>
+            <a:off x="6691084" y="4249057"/>
             <a:ext cx="849086" cy="0"/>
           </a:xfrm>
           <a:prstGeom prst="line">
@@ -3749,8 +3757,8 @@
         </p:nvSpPr>
         <p:spPr>
           <a:xfrm>
-            <a:off x="4078512" y="540657"/>
-            <a:ext cx="2699657" cy="635000"/>
+            <a:off x="5558965" y="244928"/>
+            <a:ext cx="2699657" cy="1280886"/>
           </a:xfrm>
           <a:prstGeom prst="rect">
             <a:avLst/>
@@ -3807,9 +3815,106 @@
           <p:nvPr/>
         </p:nvCxnSpPr>
         <p:spPr>
+          <a:xfrm flipH="1">
+            <a:off x="5341257" y="1525814"/>
+            <a:ext cx="1567537" cy="433614"/>
+          </a:xfrm>
+          <a:prstGeom prst="line">
+            <a:avLst/>
+          </a:prstGeom>
+          <a:ln w="28575"/>
+        </p:spPr>
+        <p:style>
+          <a:lnRef idx="1">
+            <a:schemeClr val="accent1"/>
+          </a:lnRef>
+          <a:fillRef idx="0">
+            <a:schemeClr val="accent1"/>
+          </a:fillRef>
+          <a:effectRef idx="0">
+            <a:schemeClr val="accent1"/>
+          </a:effectRef>
+          <a:fontRef idx="minor">
+            <a:schemeClr val="tx1"/>
+          </a:fontRef>
+        </p:style>
+      </p:cxnSp>
+      <p:sp>
+        <p:nvSpPr>
+          <p:cNvPr id="12" name="Rectangle 11">
+            <a:extLst>
+              <a:ext uri="{FF2B5EF4-FFF2-40B4-BE49-F238E27FC236}">
+                <a16:creationId xmlns:a16="http://schemas.microsoft.com/office/drawing/2014/main" id="{EEDD59AC-319C-8147-8904-43645817B9F2}"/>
+              </a:ext>
+            </a:extLst>
+          </p:cNvPr>
+          <p:cNvSpPr/>
+          <p:nvPr/>
+        </p:nvSpPr>
+        <p:spPr>
           <a:xfrm>
-            <a:off x="5428341" y="1175657"/>
-            <a:ext cx="1" cy="362857"/>
+            <a:off x="2503710" y="244928"/>
+            <a:ext cx="2699657" cy="1291772"/>
+          </a:xfrm>
+          <a:prstGeom prst="rect">
+            <a:avLst/>
+          </a:prstGeom>
+        </p:spPr>
+        <p:style>
+          <a:lnRef idx="2">
+            <a:schemeClr val="accent1">
+              <a:shade val="50000"/>
+            </a:schemeClr>
+          </a:lnRef>
+          <a:fillRef idx="1">
+            <a:schemeClr val="accent1"/>
+          </a:fillRef>
+          <a:effectRef idx="0">
+            <a:schemeClr val="accent1"/>
+          </a:effectRef>
+          <a:fontRef idx="minor">
+            <a:schemeClr val="lt1"/>
+          </a:fontRef>
+        </p:style>
+        <p:txBody>
+          <a:bodyPr rtlCol="0" anchor="ctr"/>
+          <a:lstStyle/>
+          <a:p>
+            <a:pPr algn="ctr"/>
+            <a:r>
+              <a:rPr lang="en-US" sz="2000" dirty="0"/>
+              <a:t>Simple Frontend</a:t>
+            </a:r>
+          </a:p>
+          <a:p>
+            <a:pPr algn="ctr"/>
+            <a:r>
+              <a:rPr lang="en-US" dirty="0"/>
+              <a:t>Node-RED</a:t>
+            </a:r>
+          </a:p>
+        </p:txBody>
+      </p:sp>
+      <p:cxnSp>
+        <p:nvCxnSpPr>
+          <p:cNvPr id="16" name="Straight Connector 15">
+            <a:extLst>
+              <a:ext uri="{FF2B5EF4-FFF2-40B4-BE49-F238E27FC236}">
+                <a16:creationId xmlns:a16="http://schemas.microsoft.com/office/drawing/2014/main" id="{B49CC408-88DA-FF4C-A607-25BE18C482FA}"/>
+              </a:ext>
+            </a:extLst>
+          </p:cNvPr>
+          <p:cNvCxnSpPr>
+            <a:cxnSpLocks/>
+            <a:stCxn id="12" idx="2"/>
+            <a:endCxn id="4" idx="0"/>
+          </p:cNvCxnSpPr>
+          <p:nvPr/>
+        </p:nvCxnSpPr>
+        <p:spPr>
+          <a:xfrm>
+            <a:off x="3853539" y="1536700"/>
+            <a:ext cx="1487718" cy="422728"/>
           </a:xfrm>
           <a:prstGeom prst="line">
             <a:avLst/>

--- a/Node-RED-Backend.pptx
+++ b/Node-RED-Backend.pptx
@@ -3349,57 +3349,6 @@
       </p:grpSpPr>
       <p:sp>
         <p:nvSpPr>
-          <p:cNvPr id="22" name="Rectangle 21">
-            <a:extLst>
-              <a:ext uri="{FF2B5EF4-FFF2-40B4-BE49-F238E27FC236}">
-                <a16:creationId xmlns:a16="http://schemas.microsoft.com/office/drawing/2014/main" id="{A53E46E4-39F0-1042-B412-13230640B037}"/>
-              </a:ext>
-            </a:extLst>
-          </p:cNvPr>
-          <p:cNvSpPr/>
-          <p:nvPr/>
-        </p:nvSpPr>
-        <p:spPr>
-          <a:xfrm>
-            <a:off x="3628572" y="1727199"/>
-            <a:ext cx="3381828" cy="5109029"/>
-          </a:xfrm>
-          <a:prstGeom prst="rect">
-            <a:avLst/>
-          </a:prstGeom>
-          <a:solidFill>
-            <a:schemeClr val="bg1">
-              <a:lumMod val="75000"/>
-            </a:schemeClr>
-          </a:solidFill>
-        </p:spPr>
-        <p:style>
-          <a:lnRef idx="2">
-            <a:schemeClr val="accent1">
-              <a:shade val="50000"/>
-            </a:schemeClr>
-          </a:lnRef>
-          <a:fillRef idx="1">
-            <a:schemeClr val="accent1"/>
-          </a:fillRef>
-          <a:effectRef idx="0">
-            <a:schemeClr val="accent1"/>
-          </a:effectRef>
-          <a:fontRef idx="minor">
-            <a:schemeClr val="lt1"/>
-          </a:fontRef>
-        </p:style>
-        <p:txBody>
-          <a:bodyPr rtlCol="0" anchor="ctr"/>
-          <a:lstStyle/>
-          <a:p>
-            <a:pPr algn="ctr"/>
-            <a:endParaRPr lang="en-US"/>
-          </a:p>
-        </p:txBody>
-      </p:sp>
-      <p:sp>
-        <p:nvSpPr>
           <p:cNvPr id="4" name="Rectangle 3">
             <a:extLst>
               <a:ext uri="{FF2B5EF4-FFF2-40B4-BE49-F238E27FC236}">
@@ -3745,10 +3694,10 @@
       </p:cxnSp>
       <p:sp>
         <p:nvSpPr>
-          <p:cNvPr id="18" name="Rectangle 17">
-            <a:extLst>
-              <a:ext uri="{FF2B5EF4-FFF2-40B4-BE49-F238E27FC236}">
-                <a16:creationId xmlns:a16="http://schemas.microsoft.com/office/drawing/2014/main" id="{CAC9A300-7C72-AF4E-8B2A-4F299F659C7C}"/>
+          <p:cNvPr id="12" name="Rectangle 11">
+            <a:extLst>
+              <a:ext uri="{FF2B5EF4-FFF2-40B4-BE49-F238E27FC236}">
+                <a16:creationId xmlns:a16="http://schemas.microsoft.com/office/drawing/2014/main" id="{EEDD59AC-319C-8147-8904-43645817B9F2}"/>
               </a:ext>
             </a:extLst>
           </p:cNvPr>
@@ -3757,103 +3706,7 @@
         </p:nvSpPr>
         <p:spPr>
           <a:xfrm>
-            <a:off x="5558965" y="244928"/>
-            <a:ext cx="2699657" cy="1280886"/>
-          </a:xfrm>
-          <a:prstGeom prst="rect">
-            <a:avLst/>
-          </a:prstGeom>
-          <a:solidFill>
-            <a:schemeClr val="bg2">
-              <a:lumMod val="10000"/>
-            </a:schemeClr>
-          </a:solidFill>
-        </p:spPr>
-        <p:style>
-          <a:lnRef idx="2">
-            <a:schemeClr val="accent1">
-              <a:shade val="50000"/>
-            </a:schemeClr>
-          </a:lnRef>
-          <a:fillRef idx="1">
-            <a:schemeClr val="accent1"/>
-          </a:fillRef>
-          <a:effectRef idx="0">
-            <a:schemeClr val="accent1"/>
-          </a:effectRef>
-          <a:fontRef idx="minor">
-            <a:schemeClr val="lt1"/>
-          </a:fontRef>
-        </p:style>
-        <p:txBody>
-          <a:bodyPr rtlCol="0" anchor="ctr"/>
-          <a:lstStyle/>
-          <a:p>
-            <a:pPr algn="ctr"/>
-            <a:r>
-              <a:rPr lang="en-US" sz="2000" dirty="0"/>
-              <a:t>Web Frontend</a:t>
-            </a:r>
-            <a:endParaRPr lang="en-US" dirty="0"/>
-          </a:p>
-        </p:txBody>
-      </p:sp>
-      <p:cxnSp>
-        <p:nvCxnSpPr>
-          <p:cNvPr id="19" name="Straight Connector 18">
-            <a:extLst>
-              <a:ext uri="{FF2B5EF4-FFF2-40B4-BE49-F238E27FC236}">
-                <a16:creationId xmlns:a16="http://schemas.microsoft.com/office/drawing/2014/main" id="{307C1F10-B2EC-6646-94C2-6BAD786B5A98}"/>
-              </a:ext>
-            </a:extLst>
-          </p:cNvPr>
-          <p:cNvCxnSpPr>
-            <a:cxnSpLocks/>
-            <a:stCxn id="18" idx="2"/>
-            <a:endCxn id="4" idx="0"/>
-          </p:cNvCxnSpPr>
-          <p:nvPr/>
-        </p:nvCxnSpPr>
-        <p:spPr>
-          <a:xfrm flipH="1">
-            <a:off x="5341257" y="1525814"/>
-            <a:ext cx="1567537" cy="433614"/>
-          </a:xfrm>
-          <a:prstGeom prst="line">
-            <a:avLst/>
-          </a:prstGeom>
-          <a:ln w="28575"/>
-        </p:spPr>
-        <p:style>
-          <a:lnRef idx="1">
-            <a:schemeClr val="accent1"/>
-          </a:lnRef>
-          <a:fillRef idx="0">
-            <a:schemeClr val="accent1"/>
-          </a:fillRef>
-          <a:effectRef idx="0">
-            <a:schemeClr val="accent1"/>
-          </a:effectRef>
-          <a:fontRef idx="minor">
-            <a:schemeClr val="tx1"/>
-          </a:fontRef>
-        </p:style>
-      </p:cxnSp>
-      <p:sp>
-        <p:nvSpPr>
-          <p:cNvPr id="12" name="Rectangle 11">
-            <a:extLst>
-              <a:ext uri="{FF2B5EF4-FFF2-40B4-BE49-F238E27FC236}">
-                <a16:creationId xmlns:a16="http://schemas.microsoft.com/office/drawing/2014/main" id="{EEDD59AC-319C-8147-8904-43645817B9F2}"/>
-              </a:ext>
-            </a:extLst>
-          </p:cNvPr>
-          <p:cNvSpPr/>
-          <p:nvPr/>
-        </p:nvSpPr>
-        <p:spPr>
-          <a:xfrm>
-            <a:off x="2503710" y="244928"/>
+            <a:off x="3991428" y="259442"/>
             <a:ext cx="2699657" cy="1291772"/>
           </a:xfrm>
           <a:prstGeom prst="rect">
@@ -3913,8 +3766,8 @@
         </p:nvCxnSpPr>
         <p:spPr>
           <a:xfrm>
-            <a:off x="3853539" y="1536700"/>
-            <a:ext cx="1487718" cy="422728"/>
+            <a:off x="5341257" y="1551214"/>
+            <a:ext cx="0" cy="408214"/>
           </a:xfrm>
           <a:prstGeom prst="line">
             <a:avLst/>

--- a/Node-RED-Backend.pptx
+++ b/Node-RED-Backend.pptx
@@ -6,6 +6,7 @@
   </p:sldMasterIdLst>
   <p:sldIdLst>
     <p:sldId id="256" r:id="rId2"/>
+    <p:sldId id="257" r:id="rId3"/>
   </p:sldIdLst>
   <p:sldSz cx="12192000" cy="6858000"/>
   <p:notesSz cx="6858000" cy="9144000"/>
@@ -261,7 +262,7 @@
           <a:p>
             <a:fld id="{08E82E56-B9AA-124C-AB87-FB1ADEE53307}" type="datetimeFigureOut">
               <a:rPr lang="en-US" smtClean="0"/>
-              <a:t>3/26/20</a:t>
+              <a:t>3/27/20</a:t>
             </a:fld>
             <a:endParaRPr lang="en-US"/>
           </a:p>
@@ -461,7 +462,7 @@
           <a:p>
             <a:fld id="{08E82E56-B9AA-124C-AB87-FB1ADEE53307}" type="datetimeFigureOut">
               <a:rPr lang="en-US" smtClean="0"/>
-              <a:t>3/26/20</a:t>
+              <a:t>3/27/20</a:t>
             </a:fld>
             <a:endParaRPr lang="en-US"/>
           </a:p>
@@ -671,7 +672,7 @@
           <a:p>
             <a:fld id="{08E82E56-B9AA-124C-AB87-FB1ADEE53307}" type="datetimeFigureOut">
               <a:rPr lang="en-US" smtClean="0"/>
-              <a:t>3/26/20</a:t>
+              <a:t>3/27/20</a:t>
             </a:fld>
             <a:endParaRPr lang="en-US"/>
           </a:p>
@@ -871,7 +872,7 @@
           <a:p>
             <a:fld id="{08E82E56-B9AA-124C-AB87-FB1ADEE53307}" type="datetimeFigureOut">
               <a:rPr lang="en-US" smtClean="0"/>
-              <a:t>3/26/20</a:t>
+              <a:t>3/27/20</a:t>
             </a:fld>
             <a:endParaRPr lang="en-US"/>
           </a:p>
@@ -1147,7 +1148,7 @@
           <a:p>
             <a:fld id="{08E82E56-B9AA-124C-AB87-FB1ADEE53307}" type="datetimeFigureOut">
               <a:rPr lang="en-US" smtClean="0"/>
-              <a:t>3/26/20</a:t>
+              <a:t>3/27/20</a:t>
             </a:fld>
             <a:endParaRPr lang="en-US"/>
           </a:p>
@@ -1415,7 +1416,7 @@
           <a:p>
             <a:fld id="{08E82E56-B9AA-124C-AB87-FB1ADEE53307}" type="datetimeFigureOut">
               <a:rPr lang="en-US" smtClean="0"/>
-              <a:t>3/26/20</a:t>
+              <a:t>3/27/20</a:t>
             </a:fld>
             <a:endParaRPr lang="en-US"/>
           </a:p>
@@ -1830,7 +1831,7 @@
           <a:p>
             <a:fld id="{08E82E56-B9AA-124C-AB87-FB1ADEE53307}" type="datetimeFigureOut">
               <a:rPr lang="en-US" smtClean="0"/>
-              <a:t>3/26/20</a:t>
+              <a:t>3/27/20</a:t>
             </a:fld>
             <a:endParaRPr lang="en-US"/>
           </a:p>
@@ -1972,7 +1973,7 @@
           <a:p>
             <a:fld id="{08E82E56-B9AA-124C-AB87-FB1ADEE53307}" type="datetimeFigureOut">
               <a:rPr lang="en-US" smtClean="0"/>
-              <a:t>3/26/20</a:t>
+              <a:t>3/27/20</a:t>
             </a:fld>
             <a:endParaRPr lang="en-US"/>
           </a:p>
@@ -2085,7 +2086,7 @@
           <a:p>
             <a:fld id="{08E82E56-B9AA-124C-AB87-FB1ADEE53307}" type="datetimeFigureOut">
               <a:rPr lang="en-US" smtClean="0"/>
-              <a:t>3/26/20</a:t>
+              <a:t>3/27/20</a:t>
             </a:fld>
             <a:endParaRPr lang="en-US"/>
           </a:p>
@@ -2398,7 +2399,7 @@
           <a:p>
             <a:fld id="{08E82E56-B9AA-124C-AB87-FB1ADEE53307}" type="datetimeFigureOut">
               <a:rPr lang="en-US" smtClean="0"/>
-              <a:t>3/26/20</a:t>
+              <a:t>3/27/20</a:t>
             </a:fld>
             <a:endParaRPr lang="en-US"/>
           </a:p>
@@ -2687,7 +2688,7 @@
           <a:p>
             <a:fld id="{08E82E56-B9AA-124C-AB87-FB1ADEE53307}" type="datetimeFigureOut">
               <a:rPr lang="en-US" smtClean="0"/>
-              <a:t>3/26/20</a:t>
+              <a:t>3/27/20</a:t>
             </a:fld>
             <a:endParaRPr lang="en-US"/>
           </a:p>
@@ -2930,7 +2931,7 @@
           <a:p>
             <a:fld id="{08E82E56-B9AA-124C-AB87-FB1ADEE53307}" type="datetimeFigureOut">
               <a:rPr lang="en-US" smtClean="0"/>
-              <a:t>3/26/20</a:t>
+              <a:t>3/27/20</a:t>
             </a:fld>
             <a:endParaRPr lang="en-US"/>
           </a:p>
@@ -3802,6 +3803,509 @@
 </p:sld>
 </file>
 
+<file path=ppt/slides/slide2.xml><?xml version="1.0" encoding="utf-8"?>
+<p:sld xmlns:a="http://schemas.openxmlformats.org/drawingml/2006/main" xmlns:r="http://schemas.openxmlformats.org/officeDocument/2006/relationships" xmlns:p="http://schemas.openxmlformats.org/presentationml/2006/main">
+  <p:cSld>
+    <p:spTree>
+      <p:nvGrpSpPr>
+        <p:cNvPr id="1" name=""/>
+        <p:cNvGrpSpPr/>
+        <p:nvPr/>
+      </p:nvGrpSpPr>
+      <p:grpSpPr>
+        <a:xfrm>
+          <a:off x="0" y="0"/>
+          <a:ext cx="0" cy="0"/>
+          <a:chOff x="0" y="0"/>
+          <a:chExt cx="0" cy="0"/>
+        </a:xfrm>
+      </p:grpSpPr>
+      <p:pic>
+        <p:nvPicPr>
+          <p:cNvPr id="3" name="Picture 2" descr="A close up of a device&#10;&#10;Description automatically generated">
+            <a:extLst>
+              <a:ext uri="{FF2B5EF4-FFF2-40B4-BE49-F238E27FC236}">
+                <a16:creationId xmlns:a16="http://schemas.microsoft.com/office/drawing/2014/main" id="{9F84DE31-9C93-BA44-A330-87DBCFB3733C}"/>
+              </a:ext>
+            </a:extLst>
+          </p:cNvPr>
+          <p:cNvPicPr>
+            <a:picLocks noChangeAspect="1"/>
+          </p:cNvPicPr>
+          <p:nvPr/>
+        </p:nvPicPr>
+        <p:blipFill rotWithShape="1">
+          <a:blip r:embed="rId2">
+            <a:alphaModFix amt="65000"/>
+          </a:blip>
+          <a:srcRect t="7742" b="8456"/>
+          <a:stretch/>
+        </p:blipFill>
+        <p:spPr>
+          <a:xfrm>
+            <a:off x="0" y="0"/>
+            <a:ext cx="12279675" cy="6858000"/>
+          </a:xfrm>
+          <a:prstGeom prst="rect">
+            <a:avLst/>
+          </a:prstGeom>
+        </p:spPr>
+      </p:pic>
+      <p:sp>
+        <p:nvSpPr>
+          <p:cNvPr id="4" name="Rectangle 3">
+            <a:extLst>
+              <a:ext uri="{FF2B5EF4-FFF2-40B4-BE49-F238E27FC236}">
+                <a16:creationId xmlns:a16="http://schemas.microsoft.com/office/drawing/2014/main" id="{B07E911E-E9B3-5046-904B-0BACC566AFE5}"/>
+              </a:ext>
+            </a:extLst>
+          </p:cNvPr>
+          <p:cNvSpPr/>
+          <p:nvPr/>
+        </p:nvSpPr>
+        <p:spPr>
+          <a:xfrm>
+            <a:off x="3991428" y="1959428"/>
+            <a:ext cx="2699657" cy="1291772"/>
+          </a:xfrm>
+          <a:prstGeom prst="rect">
+            <a:avLst/>
+          </a:prstGeom>
+        </p:spPr>
+        <p:style>
+          <a:lnRef idx="2">
+            <a:schemeClr val="accent1">
+              <a:shade val="50000"/>
+            </a:schemeClr>
+          </a:lnRef>
+          <a:fillRef idx="1">
+            <a:schemeClr val="accent1"/>
+          </a:fillRef>
+          <a:effectRef idx="0">
+            <a:schemeClr val="accent1"/>
+          </a:effectRef>
+          <a:fontRef idx="minor">
+            <a:schemeClr val="lt1"/>
+          </a:fontRef>
+        </p:style>
+        <p:txBody>
+          <a:bodyPr rtlCol="0" anchor="ctr"/>
+          <a:lstStyle/>
+          <a:p>
+            <a:pPr algn="ctr"/>
+            <a:r>
+              <a:rPr lang="en-US" sz="2000" dirty="0"/>
+              <a:t>Simple Forwarding Server</a:t>
+            </a:r>
+          </a:p>
+          <a:p>
+            <a:pPr algn="ctr"/>
+            <a:r>
+              <a:rPr lang="en-US" dirty="0"/>
+              <a:t>Node.js</a:t>
+            </a:r>
+          </a:p>
+        </p:txBody>
+      </p:sp>
+      <p:sp>
+        <p:nvSpPr>
+          <p:cNvPr id="6" name="Rectangle 5">
+            <a:extLst>
+              <a:ext uri="{FF2B5EF4-FFF2-40B4-BE49-F238E27FC236}">
+                <a16:creationId xmlns:a16="http://schemas.microsoft.com/office/drawing/2014/main" id="{A92BEB4E-F0EF-6B4E-8B5A-03503C736BD6}"/>
+              </a:ext>
+            </a:extLst>
+          </p:cNvPr>
+          <p:cNvSpPr/>
+          <p:nvPr/>
+        </p:nvSpPr>
+        <p:spPr>
+          <a:xfrm>
+            <a:off x="3991427" y="3603171"/>
+            <a:ext cx="2699657" cy="1291772"/>
+          </a:xfrm>
+          <a:prstGeom prst="rect">
+            <a:avLst/>
+          </a:prstGeom>
+        </p:spPr>
+        <p:style>
+          <a:lnRef idx="2">
+            <a:schemeClr val="accent1">
+              <a:shade val="50000"/>
+            </a:schemeClr>
+          </a:lnRef>
+          <a:fillRef idx="1">
+            <a:schemeClr val="accent1"/>
+          </a:fillRef>
+          <a:effectRef idx="0">
+            <a:schemeClr val="accent1"/>
+          </a:effectRef>
+          <a:fontRef idx="minor">
+            <a:schemeClr val="lt1"/>
+          </a:fontRef>
+        </p:style>
+        <p:txBody>
+          <a:bodyPr rtlCol="0" anchor="ctr"/>
+          <a:lstStyle/>
+          <a:p>
+            <a:pPr algn="ctr"/>
+            <a:r>
+              <a:rPr lang="en-US" sz="2000" dirty="0"/>
+              <a:t>Backend-App</a:t>
+            </a:r>
+          </a:p>
+          <a:p>
+            <a:pPr algn="ctr"/>
+            <a:r>
+              <a:rPr lang="en-US" dirty="0"/>
+              <a:t>Node-RED</a:t>
+            </a:r>
+          </a:p>
+        </p:txBody>
+      </p:sp>
+      <p:sp>
+        <p:nvSpPr>
+          <p:cNvPr id="7" name="Rectangle 6">
+            <a:extLst>
+              <a:ext uri="{FF2B5EF4-FFF2-40B4-BE49-F238E27FC236}">
+                <a16:creationId xmlns:a16="http://schemas.microsoft.com/office/drawing/2014/main" id="{B02D93A3-AC80-5D4E-ABD9-09B7D17417F5}"/>
+              </a:ext>
+            </a:extLst>
+          </p:cNvPr>
+          <p:cNvSpPr/>
+          <p:nvPr/>
+        </p:nvSpPr>
+        <p:spPr>
+          <a:xfrm>
+            <a:off x="3991427" y="5246914"/>
+            <a:ext cx="2699657" cy="1291772"/>
+          </a:xfrm>
+          <a:prstGeom prst="rect">
+            <a:avLst/>
+          </a:prstGeom>
+        </p:spPr>
+        <p:style>
+          <a:lnRef idx="2">
+            <a:schemeClr val="accent1">
+              <a:shade val="50000"/>
+            </a:schemeClr>
+          </a:lnRef>
+          <a:fillRef idx="1">
+            <a:schemeClr val="accent1"/>
+          </a:fillRef>
+          <a:effectRef idx="0">
+            <a:schemeClr val="accent1"/>
+          </a:effectRef>
+          <a:fontRef idx="minor">
+            <a:schemeClr val="lt1"/>
+          </a:fontRef>
+        </p:style>
+        <p:txBody>
+          <a:bodyPr rtlCol="0" anchor="ctr"/>
+          <a:lstStyle/>
+          <a:p>
+            <a:pPr algn="ctr"/>
+            <a:r>
+              <a:rPr lang="en-US" sz="2000" dirty="0"/>
+              <a:t>Database</a:t>
+            </a:r>
+          </a:p>
+          <a:p>
+            <a:pPr algn="ctr"/>
+            <a:r>
+              <a:rPr lang="en-US" dirty="0" err="1"/>
+              <a:t>Cloudant</a:t>
+            </a:r>
+            <a:endParaRPr lang="en-US" sz="2000" dirty="0"/>
+          </a:p>
+        </p:txBody>
+      </p:sp>
+      <p:sp>
+        <p:nvSpPr>
+          <p:cNvPr id="8" name="Rectangle 7">
+            <a:extLst>
+              <a:ext uri="{FF2B5EF4-FFF2-40B4-BE49-F238E27FC236}">
+                <a16:creationId xmlns:a16="http://schemas.microsoft.com/office/drawing/2014/main" id="{7050B02E-6044-3745-9FC8-5EAECF9CC656}"/>
+              </a:ext>
+            </a:extLst>
+          </p:cNvPr>
+          <p:cNvSpPr/>
+          <p:nvPr/>
+        </p:nvSpPr>
+        <p:spPr>
+          <a:xfrm>
+            <a:off x="7540170" y="3603171"/>
+            <a:ext cx="2699657" cy="1291772"/>
+          </a:xfrm>
+          <a:prstGeom prst="rect">
+            <a:avLst/>
+          </a:prstGeom>
+          <a:solidFill>
+            <a:schemeClr val="bg2">
+              <a:lumMod val="10000"/>
+            </a:schemeClr>
+          </a:solidFill>
+        </p:spPr>
+        <p:style>
+          <a:lnRef idx="2">
+            <a:schemeClr val="accent1">
+              <a:shade val="50000"/>
+            </a:schemeClr>
+          </a:lnRef>
+          <a:fillRef idx="1">
+            <a:schemeClr val="accent1"/>
+          </a:fillRef>
+          <a:effectRef idx="0">
+            <a:schemeClr val="accent1"/>
+          </a:effectRef>
+          <a:fontRef idx="minor">
+            <a:schemeClr val="lt1"/>
+          </a:fontRef>
+        </p:style>
+        <p:txBody>
+          <a:bodyPr rtlCol="0" anchor="ctr"/>
+          <a:lstStyle/>
+          <a:p>
+            <a:pPr algn="ctr"/>
+            <a:r>
+              <a:rPr lang="en-US" sz="2000" dirty="0"/>
+              <a:t>External Systems</a:t>
+            </a:r>
+          </a:p>
+        </p:txBody>
+      </p:sp>
+      <p:cxnSp>
+        <p:nvCxnSpPr>
+          <p:cNvPr id="10" name="Straight Connector 9">
+            <a:extLst>
+              <a:ext uri="{FF2B5EF4-FFF2-40B4-BE49-F238E27FC236}">
+                <a16:creationId xmlns:a16="http://schemas.microsoft.com/office/drawing/2014/main" id="{D2E87EFA-3176-0B45-9E80-DE2F9B3F9142}"/>
+              </a:ext>
+            </a:extLst>
+          </p:cNvPr>
+          <p:cNvCxnSpPr>
+            <a:stCxn id="4" idx="2"/>
+            <a:endCxn id="6" idx="0"/>
+          </p:cNvCxnSpPr>
+          <p:nvPr/>
+        </p:nvCxnSpPr>
+        <p:spPr>
+          <a:xfrm flipH="1">
+            <a:off x="5341256" y="3251200"/>
+            <a:ext cx="1" cy="351971"/>
+          </a:xfrm>
+          <a:prstGeom prst="line">
+            <a:avLst/>
+          </a:prstGeom>
+          <a:ln w="28575"/>
+        </p:spPr>
+        <p:style>
+          <a:lnRef idx="1">
+            <a:schemeClr val="accent1"/>
+          </a:lnRef>
+          <a:fillRef idx="0">
+            <a:schemeClr val="accent1"/>
+          </a:fillRef>
+          <a:effectRef idx="0">
+            <a:schemeClr val="accent1"/>
+          </a:effectRef>
+          <a:fontRef idx="minor">
+            <a:schemeClr val="tx1"/>
+          </a:fontRef>
+        </p:style>
+      </p:cxnSp>
+      <p:cxnSp>
+        <p:nvCxnSpPr>
+          <p:cNvPr id="11" name="Straight Connector 10">
+            <a:extLst>
+              <a:ext uri="{FF2B5EF4-FFF2-40B4-BE49-F238E27FC236}">
+                <a16:creationId xmlns:a16="http://schemas.microsoft.com/office/drawing/2014/main" id="{D4945BE0-31E8-9B44-8DC7-0D54B9EFE824}"/>
+              </a:ext>
+            </a:extLst>
+          </p:cNvPr>
+          <p:cNvCxnSpPr>
+            <a:cxnSpLocks/>
+            <a:stCxn id="7" idx="0"/>
+            <a:endCxn id="6" idx="2"/>
+          </p:cNvCxnSpPr>
+          <p:nvPr/>
+        </p:nvCxnSpPr>
+        <p:spPr>
+          <a:xfrm flipV="1">
+            <a:off x="5341256" y="4894943"/>
+            <a:ext cx="0" cy="351971"/>
+          </a:xfrm>
+          <a:prstGeom prst="line">
+            <a:avLst/>
+          </a:prstGeom>
+          <a:ln w="28575"/>
+        </p:spPr>
+        <p:style>
+          <a:lnRef idx="1">
+            <a:schemeClr val="accent1"/>
+          </a:lnRef>
+          <a:fillRef idx="0">
+            <a:schemeClr val="accent1"/>
+          </a:fillRef>
+          <a:effectRef idx="0">
+            <a:schemeClr val="accent1"/>
+          </a:effectRef>
+          <a:fontRef idx="minor">
+            <a:schemeClr val="tx1"/>
+          </a:fontRef>
+        </p:style>
+      </p:cxnSp>
+      <p:cxnSp>
+        <p:nvCxnSpPr>
+          <p:cNvPr id="15" name="Straight Connector 14">
+            <a:extLst>
+              <a:ext uri="{FF2B5EF4-FFF2-40B4-BE49-F238E27FC236}">
+                <a16:creationId xmlns:a16="http://schemas.microsoft.com/office/drawing/2014/main" id="{AA5C67C4-1A84-A54E-BBF6-ABE0DC8D1122}"/>
+              </a:ext>
+            </a:extLst>
+          </p:cNvPr>
+          <p:cNvCxnSpPr>
+            <a:cxnSpLocks/>
+            <a:stCxn id="8" idx="1"/>
+            <a:endCxn id="6" idx="3"/>
+          </p:cNvCxnSpPr>
+          <p:nvPr/>
+        </p:nvCxnSpPr>
+        <p:spPr>
+          <a:xfrm flipH="1">
+            <a:off x="6691084" y="4249057"/>
+            <a:ext cx="849086" cy="0"/>
+          </a:xfrm>
+          <a:prstGeom prst="line">
+            <a:avLst/>
+          </a:prstGeom>
+          <a:ln w="28575"/>
+        </p:spPr>
+        <p:style>
+          <a:lnRef idx="1">
+            <a:schemeClr val="accent1"/>
+          </a:lnRef>
+          <a:fillRef idx="0">
+            <a:schemeClr val="accent1"/>
+          </a:fillRef>
+          <a:effectRef idx="0">
+            <a:schemeClr val="accent1"/>
+          </a:effectRef>
+          <a:fontRef idx="minor">
+            <a:schemeClr val="tx1"/>
+          </a:fontRef>
+        </p:style>
+      </p:cxnSp>
+      <p:sp>
+        <p:nvSpPr>
+          <p:cNvPr id="12" name="Rectangle 11">
+            <a:extLst>
+              <a:ext uri="{FF2B5EF4-FFF2-40B4-BE49-F238E27FC236}">
+                <a16:creationId xmlns:a16="http://schemas.microsoft.com/office/drawing/2014/main" id="{EEDD59AC-319C-8147-8904-43645817B9F2}"/>
+              </a:ext>
+            </a:extLst>
+          </p:cNvPr>
+          <p:cNvSpPr/>
+          <p:nvPr/>
+        </p:nvSpPr>
+        <p:spPr>
+          <a:xfrm>
+            <a:off x="3991428" y="259442"/>
+            <a:ext cx="2699657" cy="1291772"/>
+          </a:xfrm>
+          <a:prstGeom prst="rect">
+            <a:avLst/>
+          </a:prstGeom>
+        </p:spPr>
+        <p:style>
+          <a:lnRef idx="2">
+            <a:schemeClr val="accent1">
+              <a:shade val="50000"/>
+            </a:schemeClr>
+          </a:lnRef>
+          <a:fillRef idx="1">
+            <a:schemeClr val="accent1"/>
+          </a:fillRef>
+          <a:effectRef idx="0">
+            <a:schemeClr val="accent1"/>
+          </a:effectRef>
+          <a:fontRef idx="minor">
+            <a:schemeClr val="lt1"/>
+          </a:fontRef>
+        </p:style>
+        <p:txBody>
+          <a:bodyPr rtlCol="0" anchor="ctr"/>
+          <a:lstStyle/>
+          <a:p>
+            <a:pPr algn="ctr"/>
+            <a:r>
+              <a:rPr lang="en-US" sz="2000" dirty="0"/>
+              <a:t>Simple Frontend</a:t>
+            </a:r>
+          </a:p>
+          <a:p>
+            <a:pPr algn="ctr"/>
+            <a:r>
+              <a:rPr lang="en-US" dirty="0"/>
+              <a:t>Node-RED</a:t>
+            </a:r>
+          </a:p>
+        </p:txBody>
+      </p:sp>
+      <p:cxnSp>
+        <p:nvCxnSpPr>
+          <p:cNvPr id="16" name="Straight Connector 15">
+            <a:extLst>
+              <a:ext uri="{FF2B5EF4-FFF2-40B4-BE49-F238E27FC236}">
+                <a16:creationId xmlns:a16="http://schemas.microsoft.com/office/drawing/2014/main" id="{B49CC408-88DA-FF4C-A607-25BE18C482FA}"/>
+              </a:ext>
+            </a:extLst>
+          </p:cNvPr>
+          <p:cNvCxnSpPr>
+            <a:cxnSpLocks/>
+            <a:stCxn id="12" idx="2"/>
+            <a:endCxn id="4" idx="0"/>
+          </p:cNvCxnSpPr>
+          <p:nvPr/>
+        </p:nvCxnSpPr>
+        <p:spPr>
+          <a:xfrm>
+            <a:off x="5341257" y="1551214"/>
+            <a:ext cx="0" cy="408214"/>
+          </a:xfrm>
+          <a:prstGeom prst="line">
+            <a:avLst/>
+          </a:prstGeom>
+          <a:ln w="28575"/>
+        </p:spPr>
+        <p:style>
+          <a:lnRef idx="1">
+            <a:schemeClr val="accent1"/>
+          </a:lnRef>
+          <a:fillRef idx="0">
+            <a:schemeClr val="accent1"/>
+          </a:fillRef>
+          <a:effectRef idx="0">
+            <a:schemeClr val="accent1"/>
+          </a:effectRef>
+          <a:fontRef idx="minor">
+            <a:schemeClr val="tx1"/>
+          </a:fontRef>
+        </p:style>
+      </p:cxnSp>
+    </p:spTree>
+    <p:extLst>
+      <p:ext uri="{BB962C8B-B14F-4D97-AF65-F5344CB8AC3E}">
+        <p14:creationId xmlns:p14="http://schemas.microsoft.com/office/powerpoint/2010/main" val="1802279008"/>
+      </p:ext>
+    </p:extLst>
+  </p:cSld>
+  <p:clrMapOvr>
+    <a:masterClrMapping/>
+  </p:clrMapOvr>
+</p:sld>
+</file>
+
 <file path=ppt/theme/theme1.xml><?xml version="1.0" encoding="utf-8"?>
 <a:theme xmlns:a="http://schemas.openxmlformats.org/drawingml/2006/main" name="Office Theme">
   <a:themeElements>
